--- a/PPT/第二部分 软件测试技术/5.1  白盒测试技术-概述.pptx
+++ b/PPT/第二部分 软件测试技术/5.1  白盒测试技术-概述.pptx
@@ -5,7 +5,7 @@
     <p:sldMasterId id="2147483660" r:id="rId1"/>
   </p:sldMasterIdLst>
   <p:notesMasterIdLst>
-    <p:notesMasterId r:id="rId12"/>
+    <p:notesMasterId r:id="rId13"/>
   </p:notesMasterIdLst>
   <p:sldIdLst>
     <p:sldId id="257" r:id="rId2"/>
@@ -14,10 +14,11 @@
     <p:sldId id="260" r:id="rId5"/>
     <p:sldId id="261" r:id="rId6"/>
     <p:sldId id="262" r:id="rId7"/>
-    <p:sldId id="263" r:id="rId8"/>
+    <p:sldId id="299" r:id="rId8"/>
     <p:sldId id="297" r:id="rId9"/>
     <p:sldId id="264" r:id="rId10"/>
     <p:sldId id="265" r:id="rId11"/>
+    <p:sldId id="300" r:id="rId12"/>
   </p:sldIdLst>
   <p:sldSz cx="9144000" cy="6858000" type="screen4x3"/>
   <p:notesSz cx="6858000" cy="9144000"/>
@@ -201,7 +202,7 @@
           <a:p>
             <a:fld id="{E6388127-EC40-432B-B7A8-A2CB907761B9}" type="datetimeFigureOut">
               <a:rPr lang="zh-CN" altLang="en-US" smtClean="0"/>
-              <a:t>2017/8/30</a:t>
+              <a:t>2017/10/23</a:t>
             </a:fld>
             <a:endParaRPr lang="zh-CN" altLang="en-US"/>
           </a:p>
@@ -731,6 +732,140 @@
           <a:bodyPr/>
           <a:lstStyle/>
           <a:p>
+            <a:pPr marL="0" marR="0" lvl="1" indent="0" algn="l" defTabSz="914400" rtl="0" eaLnBrk="1" fontAlgn="auto" latinLnBrk="0" hangingPunct="1">
+              <a:lnSpc>
+                <a:spcPct val="100000"/>
+              </a:lnSpc>
+              <a:spcBef>
+                <a:spcPts val="0"/>
+              </a:spcBef>
+              <a:spcAft>
+                <a:spcPts val="0"/>
+              </a:spcAft>
+              <a:buClrTx/>
+              <a:buSzTx/>
+              <a:buFontTx/>
+              <a:buNone/>
+              <a:tabLst/>
+              <a:defRPr/>
+            </a:pPr>
+            <a:r>
+              <a:rPr lang="zh-CN" altLang="en-US" b="1" dirty="0" smtClean="0">
+                <a:cs typeface="+mn-cs"/>
+              </a:rPr>
+              <a:t>针对性强，便于快速定位缺陷：直接对代码测试，规模小</a:t>
+            </a:r>
+            <a:r>
+              <a:rPr lang="zh-CN" altLang="en-US" dirty="0" smtClean="0"/>
+              <a:t>函数级别，功能级别，涉及因素少，容易找到缺陷</a:t>
+            </a:r>
+            <a:endParaRPr lang="en-US" altLang="zh-CN" dirty="0" smtClean="0"/>
+          </a:p>
+          <a:p>
+            <a:pPr marL="0" marR="0" lvl="1" indent="0" algn="l" defTabSz="914400" rtl="0" eaLnBrk="1" fontAlgn="auto" latinLnBrk="0" hangingPunct="1">
+              <a:lnSpc>
+                <a:spcPct val="100000"/>
+              </a:lnSpc>
+              <a:spcBef>
+                <a:spcPts val="0"/>
+              </a:spcBef>
+              <a:spcAft>
+                <a:spcPts val="0"/>
+              </a:spcAft>
+              <a:buClrTx/>
+              <a:buSzTx/>
+              <a:buFontTx/>
+              <a:buNone/>
+              <a:tabLst/>
+              <a:defRPr/>
+            </a:pPr>
+            <a:r>
+              <a:rPr lang="zh-CN" altLang="en-US" b="1" dirty="0" smtClean="0">
+                <a:cs typeface="+mn-cs"/>
+              </a:rPr>
+              <a:t>有助于代码优化和缺陷预防 ：直接针对源代码和程序结构进行检查。一旦发现不合理，及时修改编码结构，减少代码带来的复杂度，降低风险</a:t>
+            </a:r>
+          </a:p>
+          <a:p>
+            <a:pPr marL="0" marR="0" lvl="1" indent="0" algn="l" defTabSz="914400" rtl="0" eaLnBrk="1" fontAlgn="auto" latinLnBrk="0" hangingPunct="1">
+              <a:lnSpc>
+                <a:spcPct val="100000"/>
+              </a:lnSpc>
+              <a:spcBef>
+                <a:spcPts val="0"/>
+              </a:spcBef>
+              <a:spcAft>
+                <a:spcPts val="0"/>
+              </a:spcAft>
+              <a:buClrTx/>
+              <a:buSzTx/>
+              <a:buFontTx/>
+              <a:buNone/>
+              <a:tabLst/>
+              <a:defRPr/>
+            </a:pPr>
+            <a:endParaRPr lang="en-US" altLang="zh-CN" b="1" dirty="0" smtClean="0">
+              <a:cs typeface="+mn-cs"/>
+            </a:endParaRPr>
+          </a:p>
+          <a:p>
+            <a:pPr marL="0" marR="0" lvl="1" indent="0" algn="l" defTabSz="914400" rtl="0" eaLnBrk="1" fontAlgn="auto" latinLnBrk="0" hangingPunct="1">
+              <a:lnSpc>
+                <a:spcPct val="100000"/>
+              </a:lnSpc>
+              <a:spcBef>
+                <a:spcPts val="0"/>
+              </a:spcBef>
+              <a:spcAft>
+                <a:spcPts val="0"/>
+              </a:spcAft>
+              <a:buClrTx/>
+              <a:buSzTx/>
+              <a:buFontTx/>
+              <a:buNone/>
+              <a:tabLst/>
+              <a:defRPr/>
+            </a:pPr>
+            <a:r>
+              <a:rPr lang="zh-CN" altLang="en-US" b="1" dirty="0" smtClean="0">
+                <a:cs typeface="+mn-cs"/>
+              </a:rPr>
+              <a:t>缺陷修复的成本低：有助于代码优化和缺陷预防 </a:t>
+            </a:r>
+          </a:p>
+          <a:p>
+            <a:pPr marL="0" marR="0" lvl="1" indent="0" algn="l" defTabSz="914400" rtl="0" eaLnBrk="1" fontAlgn="auto" latinLnBrk="0" hangingPunct="1">
+              <a:lnSpc>
+                <a:spcPct val="100000"/>
+              </a:lnSpc>
+              <a:spcBef>
+                <a:spcPts val="0"/>
+              </a:spcBef>
+              <a:spcAft>
+                <a:spcPts val="0"/>
+              </a:spcAft>
+              <a:buClrTx/>
+              <a:buSzTx/>
+              <a:buFontTx/>
+              <a:buNone/>
+              <a:tabLst/>
+              <a:defRPr/>
+            </a:pPr>
+            <a:r>
+              <a:rPr lang="zh-CN" altLang="en-US" b="1" dirty="0" smtClean="0">
+                <a:cs typeface="+mn-cs"/>
+              </a:rPr>
+              <a:t>测试覆盖程度：在测试指标的指导下进行测试</a:t>
+            </a:r>
+            <a:endParaRPr lang="en-US" altLang="zh-CN" b="1" dirty="0" smtClean="0">
+              <a:cs typeface="+mn-cs"/>
+            </a:endParaRPr>
+          </a:p>
+          <a:p>
+            <a:r>
+              <a:rPr lang="zh-CN" altLang="en-US" dirty="0" smtClean="0"/>
+              <a:t>数学分析，精确的度量</a:t>
+            </a:r>
             <a:endParaRPr lang="zh-CN" altLang="en-US" dirty="0"/>
           </a:p>
         </p:txBody>
@@ -761,7 +896,7 @@
     </p:spTree>
     <p:extLst>
       <p:ext uri="{BB962C8B-B14F-4D97-AF65-F5344CB8AC3E}">
-        <p14:creationId xmlns:p14="http://schemas.microsoft.com/office/powerpoint/2010/main" val="4013383262"/>
+        <p14:creationId xmlns:p14="http://schemas.microsoft.com/office/powerpoint/2010/main" val="2308496328"/>
       </p:ext>
     </p:extLst>
   </p:cSld>
@@ -846,6 +981,91 @@
     <p:extLst>
       <p:ext uri="{BB962C8B-B14F-4D97-AF65-F5344CB8AC3E}">
         <p14:creationId xmlns:p14="http://schemas.microsoft.com/office/powerpoint/2010/main" val="4013383262"/>
+      </p:ext>
+    </p:extLst>
+  </p:cSld>
+  <p:clrMapOvr>
+    <a:masterClrMapping/>
+  </p:clrMapOvr>
+</p:notes>
+</file>
+
+<file path=ppt/notesSlides/notesSlide4.xml><?xml version="1.0" encoding="utf-8"?>
+<p:notes xmlns:a="http://schemas.openxmlformats.org/drawingml/2006/main" xmlns:r="http://schemas.openxmlformats.org/officeDocument/2006/relationships" xmlns:p="http://schemas.openxmlformats.org/presentationml/2006/main">
+  <p:cSld>
+    <p:spTree>
+      <p:nvGrpSpPr>
+        <p:cNvPr id="1" name=""/>
+        <p:cNvGrpSpPr/>
+        <p:nvPr/>
+      </p:nvGrpSpPr>
+      <p:grpSpPr>
+        <a:xfrm>
+          <a:off x="0" y="0"/>
+          <a:ext cx="0" cy="0"/>
+          <a:chOff x="0" y="0"/>
+          <a:chExt cx="0" cy="0"/>
+        </a:xfrm>
+      </p:grpSpPr>
+      <p:sp>
+        <p:nvSpPr>
+          <p:cNvPr id="2" name="幻灯片图像占位符 1"/>
+          <p:cNvSpPr>
+            <a:spLocks noGrp="1" noRot="1" noChangeAspect="1"/>
+          </p:cNvSpPr>
+          <p:nvPr>
+            <p:ph type="sldImg"/>
+          </p:nvPr>
+        </p:nvSpPr>
+        <p:spPr/>
+      </p:sp>
+      <p:sp>
+        <p:nvSpPr>
+          <p:cNvPr id="3" name="备注占位符 2"/>
+          <p:cNvSpPr>
+            <a:spLocks noGrp="1"/>
+          </p:cNvSpPr>
+          <p:nvPr>
+            <p:ph type="body" idx="1"/>
+          </p:nvPr>
+        </p:nvSpPr>
+        <p:spPr/>
+        <p:txBody>
+          <a:bodyPr/>
+          <a:lstStyle/>
+          <a:p>
+            <a:endParaRPr lang="zh-CN" altLang="en-US" dirty="0"/>
+          </a:p>
+        </p:txBody>
+      </p:sp>
+      <p:sp>
+        <p:nvSpPr>
+          <p:cNvPr id="4" name="灯片编号占位符 3"/>
+          <p:cNvSpPr>
+            <a:spLocks noGrp="1"/>
+          </p:cNvSpPr>
+          <p:nvPr>
+            <p:ph type="sldNum" sz="quarter" idx="10"/>
+          </p:nvPr>
+        </p:nvSpPr>
+        <p:spPr/>
+        <p:txBody>
+          <a:bodyPr/>
+          <a:lstStyle/>
+          <a:p>
+            <a:fld id="{4140273F-E35B-4368-A4A4-5732FF70872E}" type="slidenum">
+              <a:rPr lang="zh-CN" altLang="en-US" smtClean="0"/>
+              <a:pPr/>
+              <a:t>11</a:t>
+            </a:fld>
+            <a:endParaRPr lang="zh-CN" altLang="en-US"/>
+          </a:p>
+        </p:txBody>
+      </p:sp>
+    </p:spTree>
+    <p:extLst>
+      <p:ext uri="{BB962C8B-B14F-4D97-AF65-F5344CB8AC3E}">
+        <p14:creationId xmlns:p14="http://schemas.microsoft.com/office/powerpoint/2010/main" val="399249568"/>
       </p:ext>
     </p:extLst>
   </p:cSld>
@@ -1070,7 +1290,7 @@
           <a:p>
             <a:fld id="{F02B0C02-8564-43E4-967A-60B5B1CD7176}" type="datetimeFigureOut">
               <a:rPr lang="zh-CN" altLang="en-US" smtClean="0"/>
-              <a:t>2017/8/30</a:t>
+              <a:t>2017/10/23</a:t>
             </a:fld>
             <a:endParaRPr lang="zh-CN" altLang="en-US"/>
           </a:p>
@@ -1267,7 +1487,7 @@
           <a:p>
             <a:fld id="{F02B0C02-8564-43E4-967A-60B5B1CD7176}" type="datetimeFigureOut">
               <a:rPr lang="zh-CN" altLang="en-US" smtClean="0"/>
-              <a:t>2017/8/30</a:t>
+              <a:t>2017/10/23</a:t>
             </a:fld>
             <a:endParaRPr lang="zh-CN" altLang="en-US"/>
           </a:p>
@@ -1468,7 +1688,7 @@
           <a:p>
             <a:fld id="{F02B0C02-8564-43E4-967A-60B5B1CD7176}" type="datetimeFigureOut">
               <a:rPr lang="zh-CN" altLang="en-US" smtClean="0"/>
-              <a:t>2017/8/30</a:t>
+              <a:t>2017/10/23</a:t>
             </a:fld>
             <a:endParaRPr lang="zh-CN" altLang="en-US"/>
           </a:p>
@@ -1726,7 +1946,7 @@
           <a:p>
             <a:fld id="{F02B0C02-8564-43E4-967A-60B5B1CD7176}" type="datetimeFigureOut">
               <a:rPr lang="zh-CN" altLang="en-US" smtClean="0"/>
-              <a:t>2017/8/30</a:t>
+              <a:t>2017/10/23</a:t>
             </a:fld>
             <a:endParaRPr lang="zh-CN" altLang="en-US"/>
           </a:p>
@@ -1917,7 +2137,7 @@
           <a:p>
             <a:fld id="{F02B0C02-8564-43E4-967A-60B5B1CD7176}" type="datetimeFigureOut">
               <a:rPr lang="zh-CN" altLang="en-US" smtClean="0"/>
-              <a:t>2017/8/30</a:t>
+              <a:t>2017/10/23</a:t>
             </a:fld>
             <a:endParaRPr lang="zh-CN" altLang="en-US"/>
           </a:p>
@@ -2130,7 +2350,7 @@
           <a:p>
             <a:fld id="{F02B0C02-8564-43E4-967A-60B5B1CD7176}" type="datetimeFigureOut">
               <a:rPr lang="zh-CN" altLang="en-US" smtClean="0"/>
-              <a:t>2017/8/30</a:t>
+              <a:t>2017/10/23</a:t>
             </a:fld>
             <a:endParaRPr lang="zh-CN" altLang="en-US"/>
           </a:p>
@@ -2439,7 +2659,7 @@
           <a:p>
             <a:fld id="{F02B0C02-8564-43E4-967A-60B5B1CD7176}" type="datetimeFigureOut">
               <a:rPr lang="zh-CN" altLang="en-US" smtClean="0"/>
-              <a:t>2017/8/30</a:t>
+              <a:t>2017/10/23</a:t>
             </a:fld>
             <a:endParaRPr lang="zh-CN" altLang="en-US"/>
           </a:p>
@@ -2887,7 +3107,7 @@
           <a:p>
             <a:fld id="{F02B0C02-8564-43E4-967A-60B5B1CD7176}" type="datetimeFigureOut">
               <a:rPr lang="zh-CN" altLang="en-US" smtClean="0"/>
-              <a:t>2017/8/30</a:t>
+              <a:t>2017/10/23</a:t>
             </a:fld>
             <a:endParaRPr lang="zh-CN" altLang="en-US"/>
           </a:p>
@@ -3026,7 +3246,7 @@
           <a:p>
             <a:fld id="{F02B0C02-8564-43E4-967A-60B5B1CD7176}" type="datetimeFigureOut">
               <a:rPr lang="zh-CN" altLang="en-US" smtClean="0"/>
-              <a:t>2017/8/30</a:t>
+              <a:t>2017/10/23</a:t>
             </a:fld>
             <a:endParaRPr lang="zh-CN" altLang="en-US"/>
           </a:p>
@@ -3142,7 +3362,7 @@
           <a:p>
             <a:fld id="{F02B0C02-8564-43E4-967A-60B5B1CD7176}" type="datetimeFigureOut">
               <a:rPr lang="zh-CN" altLang="en-US" smtClean="0"/>
-              <a:t>2017/8/30</a:t>
+              <a:t>2017/10/23</a:t>
             </a:fld>
             <a:endParaRPr lang="zh-CN" altLang="en-US"/>
           </a:p>
@@ -3440,7 +3660,7 @@
           <a:p>
             <a:fld id="{F02B0C02-8564-43E4-967A-60B5B1CD7176}" type="datetimeFigureOut">
               <a:rPr lang="zh-CN" altLang="en-US" smtClean="0"/>
-              <a:t>2017/8/30</a:t>
+              <a:t>2017/10/23</a:t>
             </a:fld>
             <a:endParaRPr lang="zh-CN" altLang="en-US"/>
           </a:p>
@@ -3718,7 +3938,7 @@
           <a:p>
             <a:fld id="{F02B0C02-8564-43E4-967A-60B5B1CD7176}" type="datetimeFigureOut">
               <a:rPr lang="zh-CN" altLang="en-US" smtClean="0"/>
-              <a:t>2017/8/30</a:t>
+              <a:t>2017/10/23</a:t>
             </a:fld>
             <a:endParaRPr lang="zh-CN" altLang="en-US"/>
           </a:p>
@@ -4158,7 +4378,7 @@
           <a:p>
             <a:fld id="{F02B0C02-8564-43E4-967A-60B5B1CD7176}" type="datetimeFigureOut">
               <a:rPr lang="zh-CN" altLang="en-US" smtClean="0"/>
-              <a:t>2017/8/30</a:t>
+              <a:t>2017/10/23</a:t>
             </a:fld>
             <a:endParaRPr lang="zh-CN" altLang="en-US"/>
           </a:p>
@@ -4970,6 +5190,13 @@
     <a:masterClrMapping/>
   </p:clrMapOvr>
   <p:transition/>
+  <p:timing>
+    <p:tnLst>
+      <p:par>
+        <p:cTn id="1" dur="indefinite" restart="never" nodeType="tmRoot"/>
+      </p:par>
+    </p:tnLst>
+  </p:timing>
 </p:sld>
 </file>
 
@@ -5007,14 +5234,14 @@
           <a:p>
             <a:pPr eaLnBrk="1" hangingPunct="1"/>
             <a:r>
-              <a:rPr lang="en-US" altLang="zh-CN" b="1" smtClean="0">
+              <a:rPr lang="en-US" altLang="zh-CN" b="1" dirty="0" smtClean="0">
                 <a:latin typeface="黑体" pitchFamily="49" charset="-122"/>
                 <a:ea typeface="黑体" pitchFamily="49" charset="-122"/>
               </a:rPr>
               <a:t>5.1 </a:t>
             </a:r>
             <a:r>
-              <a:rPr lang="zh-CN" altLang="en-US" b="1" smtClean="0">
+              <a:rPr lang="zh-CN" altLang="en-US" b="1" dirty="0" smtClean="0">
                 <a:latin typeface="黑体" pitchFamily="49" charset="-122"/>
                 <a:ea typeface="黑体" pitchFamily="49" charset="-122"/>
               </a:rPr>
@@ -5226,6 +5453,356 @@
     <a:masterClrMapping/>
   </p:clrMapOvr>
   <p:transition/>
+  <p:timing>
+    <p:tnLst>
+      <p:par>
+        <p:cTn id="1" dur="indefinite" restart="never" nodeType="tmRoot"/>
+      </p:par>
+    </p:tnLst>
+  </p:timing>
+</p:sld>
+</file>
+
+<file path=ppt/slides/slide11.xml><?xml version="1.0" encoding="utf-8"?>
+<p:sld xmlns:a="http://schemas.openxmlformats.org/drawingml/2006/main" xmlns:r="http://schemas.openxmlformats.org/officeDocument/2006/relationships" xmlns:p="http://schemas.openxmlformats.org/presentationml/2006/main">
+  <p:cSld>
+    <p:spTree>
+      <p:nvGrpSpPr>
+        <p:cNvPr id="1" name=""/>
+        <p:cNvGrpSpPr/>
+        <p:nvPr/>
+      </p:nvGrpSpPr>
+      <p:grpSpPr>
+        <a:xfrm>
+          <a:off x="0" y="0"/>
+          <a:ext cx="0" cy="0"/>
+          <a:chOff x="0" y="0"/>
+          <a:chExt cx="0" cy="0"/>
+        </a:xfrm>
+      </p:grpSpPr>
+      <p:pic>
+        <p:nvPicPr>
+          <p:cNvPr id="4" name="Picture 5"/>
+          <p:cNvPicPr>
+            <a:picLocks noChangeAspect="1" noChangeArrowheads="1"/>
+          </p:cNvPicPr>
+          <p:nvPr/>
+        </p:nvPicPr>
+        <p:blipFill>
+          <a:blip r:embed="rId3">
+            <a:extLst>
+              <a:ext uri="{28A0092B-C50C-407E-A947-70E740481C1C}">
+                <a14:useLocalDpi xmlns:a14="http://schemas.microsoft.com/office/drawing/2010/main" val="0"/>
+              </a:ext>
+            </a:extLst>
+          </a:blip>
+          <a:srcRect/>
+          <a:stretch>
+            <a:fillRect/>
+          </a:stretch>
+        </p:blipFill>
+        <p:spPr bwMode="auto">
+          <a:xfrm>
+            <a:off x="4574649" y="1492250"/>
+            <a:ext cx="4428008" cy="4457030"/>
+          </a:xfrm>
+          <a:prstGeom prst="rect">
+            <a:avLst/>
+          </a:prstGeom>
+          <a:noFill/>
+          <a:extLst>
+            <a:ext uri="{909E8E84-426E-40DD-AFC4-6F175D3DCCD1}">
+              <a14:hiddenFill xmlns:a14="http://schemas.microsoft.com/office/drawing/2010/main">
+                <a:solidFill>
+                  <a:srgbClr val="FFFFFF"/>
+                </a:solidFill>
+              </a14:hiddenFill>
+            </a:ext>
+          </a:extLst>
+        </p:spPr>
+      </p:pic>
+      <mc:AlternateContent xmlns:mc="http://schemas.openxmlformats.org/markup-compatibility/2006">
+        <mc:Choice xmlns:a14="http://schemas.microsoft.com/office/drawing/2010/main" Requires="a14">
+          <p:sp>
+            <p:nvSpPr>
+              <p:cNvPr id="5" name="矩形 4"/>
+              <p:cNvSpPr/>
+              <p:nvPr/>
+            </p:nvSpPr>
+            <p:spPr>
+              <a:xfrm>
+                <a:off x="242808" y="1495727"/>
+                <a:ext cx="4329192" cy="5407378"/>
+              </a:xfrm>
+              <a:prstGeom prst="rect">
+                <a:avLst/>
+              </a:prstGeom>
+            </p:spPr>
+            <p:txBody>
+              <a:bodyPr wrap="square">
+                <a:spAutoFit/>
+              </a:bodyPr>
+              <a:lstStyle/>
+              <a:p>
+                <a:pPr marL="469900" lvl="2" indent="-469900" algn="just" defTabSz="0" fontAlgn="base">
+                  <a:lnSpc>
+                    <a:spcPct val="150000"/>
+                  </a:lnSpc>
+                  <a:spcBef>
+                    <a:spcPct val="20000"/>
+                  </a:spcBef>
+                  <a:spcAft>
+                    <a:spcPct val="0"/>
+                  </a:spcAft>
+                  <a:buClr>
+                    <a:schemeClr val="accent2"/>
+                  </a:buClr>
+                  <a:buFont typeface="Wingdings" pitchFamily="2" charset="2"/>
+                  <a:buChar char="o"/>
+                </a:pPr>
+                <a:r>
+                  <a:rPr lang="zh-CN" altLang="en-US" sz="2800" b="1" dirty="0"/>
+                  <a:t>穷举测试可以吗？</a:t>
+                </a:r>
+                <a:endParaRPr lang="en-US" altLang="zh-CN" sz="2800" b="1" dirty="0"/>
+              </a:p>
+              <a:p>
+                <a:pPr marL="400050" lvl="2" defTabSz="0" fontAlgn="base">
+                  <a:lnSpc>
+                    <a:spcPct val="150000"/>
+                  </a:lnSpc>
+                  <a:spcBef>
+                    <a:spcPct val="0"/>
+                  </a:spcBef>
+                  <a:spcAft>
+                    <a:spcPct val="15000"/>
+                  </a:spcAft>
+                  <a:buClr>
+                    <a:schemeClr val="tx2"/>
+                  </a:buClr>
+                </a:pPr>
+                <a:r>
+                  <a:rPr lang="zh-CN" altLang="en-US" sz="2000" dirty="0" smtClean="0">
+                    <a:latin typeface="+mn-ea"/>
+                  </a:rPr>
+                  <a:t>这个的流程图，其中包括了一个执行达</a:t>
+                </a:r>
+                <a:r>
+                  <a:rPr lang="en-US" altLang="zh-CN" sz="2000" dirty="0">
+                    <a:solidFill>
+                      <a:srgbClr val="FF0000"/>
+                    </a:solidFill>
+                    <a:latin typeface="+mn-ea"/>
+                  </a:rPr>
+                  <a:t>20</a:t>
+                </a:r>
+                <a:r>
+                  <a:rPr lang="zh-CN" altLang="en-US" sz="2000" dirty="0">
+                    <a:solidFill>
+                      <a:srgbClr val="FF0000"/>
+                    </a:solidFill>
+                    <a:latin typeface="+mn-ea"/>
+                  </a:rPr>
+                  <a:t>次</a:t>
+                </a:r>
+                <a:r>
+                  <a:rPr lang="zh-CN" altLang="en-US" sz="2000" dirty="0">
+                    <a:latin typeface="+mn-ea"/>
+                  </a:rPr>
+                  <a:t>的循环。那么它所包含的不同执行路径数高达</a:t>
+                </a:r>
+                <a14:m>
+                  <m:oMath xmlns:m="http://schemas.openxmlformats.org/officeDocument/2006/math">
+                    <m:sSup>
+                      <m:sSupPr>
+                        <m:ctrlPr>
+                          <a:rPr lang="en-US" altLang="zh-CN" sz="2000" i="1" smtClean="0">
+                            <a:solidFill>
+                              <a:srgbClr val="FF0000"/>
+                            </a:solidFill>
+                            <a:latin typeface="Cambria Math"/>
+                          </a:rPr>
+                        </m:ctrlPr>
+                      </m:sSupPr>
+                      <m:e>
+                        <m:r>
+                          <a:rPr lang="en-US" altLang="zh-CN" sz="2000" b="0" i="1" smtClean="0">
+                            <a:solidFill>
+                              <a:srgbClr val="FF0000"/>
+                            </a:solidFill>
+                            <a:latin typeface="Cambria Math"/>
+                          </a:rPr>
+                          <m:t>5</m:t>
+                        </m:r>
+                      </m:e>
+                      <m:sup>
+                        <m:r>
+                          <a:rPr lang="en-US" altLang="zh-CN" sz="2000" b="0" i="1" smtClean="0">
+                            <a:solidFill>
+                              <a:srgbClr val="FF0000"/>
+                            </a:solidFill>
+                            <a:latin typeface="Cambria Math"/>
+                          </a:rPr>
+                          <m:t>20</m:t>
+                        </m:r>
+                      </m:sup>
+                    </m:sSup>
+                  </m:oMath>
+                </a14:m>
+                <a:r>
+                  <a:rPr lang="zh-CN" altLang="en-US" sz="2000" dirty="0" smtClean="0">
+                    <a:latin typeface="+mn-ea"/>
+                  </a:rPr>
+                  <a:t>条</a:t>
+                </a:r>
+                <a:r>
+                  <a:rPr lang="zh-CN" altLang="en-US" sz="2000" dirty="0">
+                    <a:latin typeface="+mn-ea"/>
+                  </a:rPr>
+                  <a:t>，若要对它进行穷举测试，覆盖所有的路径。假使测试程序对每一条路径进行测试需要</a:t>
+                </a:r>
+                <a:r>
+                  <a:rPr lang="en-US" altLang="zh-CN" sz="2000" dirty="0">
+                    <a:latin typeface="+mn-ea"/>
+                  </a:rPr>
+                  <a:t>1</a:t>
+                </a:r>
+                <a:r>
+                  <a:rPr lang="zh-CN" altLang="en-US" sz="2000" dirty="0">
+                    <a:latin typeface="+mn-ea"/>
+                  </a:rPr>
+                  <a:t>毫秒，同样假定一天工作</a:t>
+                </a:r>
+                <a:r>
+                  <a:rPr lang="en-US" altLang="zh-CN" sz="2000" dirty="0">
+                    <a:latin typeface="+mn-ea"/>
+                  </a:rPr>
+                  <a:t>24</a:t>
+                </a:r>
+                <a:r>
+                  <a:rPr lang="zh-CN" altLang="en-US" sz="2000" dirty="0">
+                    <a:latin typeface="+mn-ea"/>
+                  </a:rPr>
+                  <a:t>小时，一年工作</a:t>
+                </a:r>
+                <a:r>
+                  <a:rPr lang="en-US" altLang="zh-CN" sz="2000" dirty="0">
+                    <a:latin typeface="+mn-ea"/>
+                  </a:rPr>
+                  <a:t>365 </a:t>
+                </a:r>
+                <a:r>
+                  <a:rPr lang="zh-CN" altLang="en-US" sz="2000" dirty="0">
+                    <a:latin typeface="+mn-ea"/>
+                  </a:rPr>
+                  <a:t>天， 那么要想把如图所示的小程序的所有路径测试完，则需要</a:t>
+                </a:r>
+                <a:r>
+                  <a:rPr lang="en-US" altLang="zh-CN" sz="2000" dirty="0">
+                    <a:latin typeface="+mn-ea"/>
+                  </a:rPr>
+                  <a:t>3170</a:t>
+                </a:r>
+                <a:r>
+                  <a:rPr lang="zh-CN" altLang="en-US" sz="2000" dirty="0">
+                    <a:latin typeface="+mn-ea"/>
+                  </a:rPr>
+                  <a:t>年。</a:t>
+                </a:r>
+              </a:p>
+            </p:txBody>
+          </p:sp>
+        </mc:Choice>
+        <mc:Fallback>
+          <p:sp>
+            <p:nvSpPr>
+              <p:cNvPr id="5" name="矩形 4"/>
+              <p:cNvSpPr>
+                <a:spLocks noRot="1" noChangeAspect="1" noMove="1" noResize="1" noEditPoints="1" noAdjustHandles="1" noChangeArrowheads="1" noChangeShapeType="1" noTextEdit="1"/>
+              </p:cNvSpPr>
+              <p:nvPr/>
+            </p:nvSpPr>
+            <p:spPr>
+              <a:xfrm>
+                <a:off x="242808" y="1495727"/>
+                <a:ext cx="4329192" cy="5407378"/>
+              </a:xfrm>
+              <a:prstGeom prst="rect">
+                <a:avLst/>
+              </a:prstGeom>
+              <a:blipFill rotWithShape="1">
+                <a:blip r:embed="rId4"/>
+                <a:stretch>
+                  <a:fillRect l="-2535" r="-423"/>
+                </a:stretch>
+              </a:blipFill>
+            </p:spPr>
+            <p:txBody>
+              <a:bodyPr/>
+              <a:lstStyle/>
+              <a:p>
+                <a:r>
+                  <a:rPr lang="zh-CN" altLang="en-US">
+                    <a:noFill/>
+                  </a:rPr>
+                  <a:t> </a:t>
+                </a:r>
+              </a:p>
+            </p:txBody>
+          </p:sp>
+        </mc:Fallback>
+      </mc:AlternateContent>
+      <p:sp>
+        <p:nvSpPr>
+          <p:cNvPr id="6" name="Rectangle 2"/>
+          <p:cNvSpPr>
+            <a:spLocks noGrp="1" noChangeArrowheads="1"/>
+          </p:cNvSpPr>
+          <p:nvPr>
+            <p:ph type="title"/>
+          </p:nvPr>
+        </p:nvSpPr>
+        <p:spPr>
+          <a:xfrm>
+            <a:off x="574675" y="304800"/>
+            <a:ext cx="8001000" cy="1216025"/>
+          </a:xfrm>
+        </p:spPr>
+        <p:txBody>
+          <a:bodyPr/>
+          <a:lstStyle/>
+          <a:p>
+            <a:pPr eaLnBrk="1" hangingPunct="1"/>
+            <a:r>
+              <a:rPr lang="en-US" altLang="zh-CN" b="1" dirty="0" smtClean="0">
+                <a:latin typeface="黑体" pitchFamily="49" charset="-122"/>
+                <a:ea typeface="黑体" pitchFamily="49" charset="-122"/>
+              </a:rPr>
+              <a:t>5.1 </a:t>
+            </a:r>
+            <a:r>
+              <a:rPr lang="zh-CN" altLang="en-US" b="1" dirty="0" smtClean="0">
+                <a:latin typeface="黑体" pitchFamily="49" charset="-122"/>
+                <a:ea typeface="黑体" pitchFamily="49" charset="-122"/>
+              </a:rPr>
+              <a:t>概述</a:t>
+            </a:r>
+          </a:p>
+        </p:txBody>
+      </p:sp>
+    </p:spTree>
+    <p:extLst>
+      <p:ext uri="{BB962C8B-B14F-4D97-AF65-F5344CB8AC3E}">
+        <p14:creationId xmlns:p14="http://schemas.microsoft.com/office/powerpoint/2010/main" val="733233938"/>
+      </p:ext>
+    </p:extLst>
+  </p:cSld>
+  <p:clrMapOvr>
+    <a:masterClrMapping/>
+  </p:clrMapOvr>
+  <p:transition>
+    <p:blinds dir="vert"/>
+  </p:transition>
   <p:timing>
     <p:tnLst>
       <p:par>
@@ -5312,47 +5889,71 @@
           <a:p>
             <a:pPr eaLnBrk="1" hangingPunct="1"/>
             <a:r>
-              <a:rPr lang="zh-CN" altLang="en-US" sz="3400" b="1" smtClean="0"/>
+              <a:rPr lang="zh-CN" altLang="en-US" sz="3400" b="1" dirty="0" smtClean="0"/>
               <a:t>内容提要</a:t>
             </a:r>
           </a:p>
           <a:p>
             <a:pPr lvl="1" eaLnBrk="1" hangingPunct="1"/>
             <a:r>
-              <a:rPr lang="zh-CN" altLang="en-US" b="1" smtClean="0"/>
+              <a:rPr lang="zh-CN" altLang="en-US" b="1" dirty="0" smtClean="0"/>
               <a:t>介绍白盒测试基本原理，围绕最重要的</a:t>
             </a:r>
             <a:r>
-              <a:rPr lang="en-US" altLang="en-US" b="1" smtClean="0"/>
+              <a:rPr lang="en-US" altLang="en-US" b="1" dirty="0" smtClean="0"/>
               <a:t>5</a:t>
             </a:r>
             <a:r>
-              <a:rPr lang="zh-CN" altLang="en-US" b="1" smtClean="0"/>
+              <a:rPr lang="zh-CN" altLang="en-US" b="1" dirty="0" smtClean="0"/>
               <a:t>种测试方法展开讨论</a:t>
             </a:r>
-            <a:endParaRPr lang="en-US" altLang="zh-CN" b="1" smtClean="0"/>
+            <a:endParaRPr lang="en-US" altLang="zh-CN" b="1" dirty="0" smtClean="0"/>
           </a:p>
           <a:p>
             <a:pPr lvl="1" eaLnBrk="1" hangingPunct="1"/>
             <a:r>
-              <a:rPr lang="zh-CN" altLang="en-US" b="1" smtClean="0"/>
+              <a:rPr lang="zh-CN" altLang="en-US" b="1" dirty="0" smtClean="0"/>
               <a:t>静态白盒测试、对变量的测试主要采用静态方法进行测试，一般不需要设计测试用例</a:t>
             </a:r>
-            <a:endParaRPr lang="en-US" altLang="zh-CN" b="1" smtClean="0"/>
+            <a:endParaRPr lang="en-US" altLang="zh-CN" b="1" dirty="0" smtClean="0"/>
           </a:p>
           <a:p>
             <a:pPr lvl="1" eaLnBrk="1" hangingPunct="1"/>
             <a:r>
-              <a:rPr lang="zh-CN" altLang="en-US" b="1" smtClean="0"/>
+              <a:rPr lang="zh-CN" altLang="en-US" b="1" dirty="0" smtClean="0"/>
               <a:t>对判定的测试、对路径的测试和对循环的测试主要是动态测试的方法，需要设计测试用例</a:t>
             </a:r>
-            <a:endParaRPr lang="en-US" altLang="zh-CN" b="1" smtClean="0"/>
+            <a:endParaRPr lang="en-US" altLang="zh-CN" b="1" dirty="0" smtClean="0"/>
           </a:p>
           <a:p>
             <a:pPr lvl="1" eaLnBrk="1" hangingPunct="1"/>
             <a:r>
-              <a:rPr lang="zh-CN" altLang="en-US" b="1" smtClean="0"/>
-              <a:t>在对判定的测试中，需结合边界值的思想设计测试用例，而对路径的测试方法的思想可以用于对整个系统功能的业务流程进行测试</a:t>
+              <a:rPr lang="zh-CN" altLang="en-US" b="1" dirty="0" smtClean="0"/>
+              <a:t>在对判定的测试中，需结合</a:t>
+            </a:r>
+            <a:r>
+              <a:rPr lang="zh-CN" altLang="en-US" b="1" dirty="0" smtClean="0">
+                <a:solidFill>
+                  <a:srgbClr val="FF0000"/>
+                </a:solidFill>
+              </a:rPr>
+              <a:t>边界值的</a:t>
+            </a:r>
+            <a:r>
+              <a:rPr lang="zh-CN" altLang="en-US" b="1" dirty="0" smtClean="0"/>
+              <a:t>思想设计测试用例，而对路径的测试方法的思想</a:t>
+            </a:r>
+            <a:r>
+              <a:rPr lang="zh-CN" altLang="en-US" b="1" dirty="0" smtClean="0">
+                <a:solidFill>
+                  <a:srgbClr val="FF0000"/>
+                </a:solidFill>
+              </a:rPr>
+              <a:t>可以用于对整个系统功能的业务流程</a:t>
+            </a:r>
+            <a:r>
+              <a:rPr lang="zh-CN" altLang="en-US" b="1" dirty="0" smtClean="0"/>
+              <a:t>进行测试</a:t>
             </a:r>
           </a:p>
         </p:txBody>
@@ -5521,6 +6122,13 @@
     <a:masterClrMapping/>
   </p:clrMapOvr>
   <p:transition/>
+  <p:timing>
+    <p:tnLst>
+      <p:par>
+        <p:cTn id="1" dur="indefinite" restart="never" nodeType="tmRoot"/>
+      </p:par>
+    </p:tnLst>
+  </p:timing>
 </p:sld>
 </file>
 
@@ -6335,9 +6943,33 @@
             </a:pPr>
             <a:r>
               <a:rPr lang="zh-CN" altLang="en-US" b="1" dirty="0" smtClean="0">
+                <a:solidFill>
+                  <a:srgbClr val="FF0000"/>
+                </a:solidFill>
                 <a:cs typeface="+mn-cs"/>
               </a:rPr>
-              <a:t>源代码：直接查看源代码，查看代码的规范性，并对照函数功能查找代码的逻辑缺陷、内存管理缺陷、数据定义和使用缺陷等</a:t>
+              <a:t>源代码</a:t>
+            </a:r>
+            <a:r>
+              <a:rPr lang="zh-CN" altLang="en-US" b="1" dirty="0" smtClean="0">
+                <a:cs typeface="+mn-cs"/>
+              </a:rPr>
+              <a:t>：直接查看源代码，查看代码的</a:t>
+            </a:r>
+            <a:r>
+              <a:rPr lang="zh-CN" altLang="en-US" b="1" dirty="0" smtClean="0">
+                <a:solidFill>
+                  <a:srgbClr val="FF0000"/>
+                </a:solidFill>
+                <a:cs typeface="+mn-cs"/>
+              </a:rPr>
+              <a:t>规范性</a:t>
+            </a:r>
+            <a:r>
+              <a:rPr lang="zh-CN" altLang="en-US" b="1" dirty="0" smtClean="0">
+                <a:cs typeface="+mn-cs"/>
+              </a:rPr>
+              <a:t>，并对照函数功能查找代码的逻辑缺陷、内存管理缺陷、数据定义和使用缺陷等</a:t>
             </a:r>
             <a:endParaRPr lang="en-US" altLang="zh-CN" b="1" dirty="0" smtClean="0">
               <a:cs typeface="+mn-cs"/>
@@ -6349,9 +6981,18 @@
             </a:pPr>
             <a:r>
               <a:rPr lang="zh-CN" altLang="en-US" b="1" dirty="0" smtClean="0">
+                <a:solidFill>
+                  <a:srgbClr val="FF0000"/>
+                </a:solidFill>
                 <a:cs typeface="+mn-cs"/>
               </a:rPr>
-              <a:t>程序结构：通过函数调用图、算法流程图等反映程序设计的相关图表，找到程序设计的缺陷，或评价程序的执行效率，以利于程序的结构优化</a:t>
+              <a:t>程序结构</a:t>
+            </a:r>
+            <a:r>
+              <a:rPr lang="zh-CN" altLang="en-US" b="1" dirty="0" smtClean="0">
+                <a:cs typeface="+mn-cs"/>
+              </a:rPr>
+              <a:t>：通过函数调用图、算法流程图等反映程序设计的相关图表，找到程序设计的缺陷，或评价程序的执行效率，以利于程序的结构优化</a:t>
             </a:r>
             <a:endParaRPr lang="en-US" altLang="zh-CN" b="1" dirty="0" smtClean="0">
               <a:cs typeface="+mn-cs"/>
@@ -6678,36 +7319,6 @@
               <a:cs typeface="+mn-cs"/>
             </a:endParaRPr>
           </a:p>
-          <a:p>
-            <a:pPr algn="just" eaLnBrk="1" hangingPunct="1">
-              <a:defRPr/>
-            </a:pPr>
-            <a:r>
-              <a:rPr lang="zh-CN" altLang="en-US" sz="3400" b="1" dirty="0" smtClean="0"/>
-              <a:t>局限性</a:t>
-            </a:r>
-            <a:endParaRPr lang="en-US" altLang="zh-CN" sz="3400" b="1" dirty="0" smtClean="0"/>
-          </a:p>
-          <a:p>
-            <a:pPr lvl="1" algn="just" eaLnBrk="1" hangingPunct="1">
-              <a:defRPr/>
-            </a:pPr>
-            <a:r>
-              <a:rPr lang="zh-CN" altLang="en-US" b="1" dirty="0" smtClean="0"/>
-              <a:t>对测试人员的技术要求高，没有一定编程经验的人是无法做白盒测试的；具有广博的知识面</a:t>
-            </a:r>
-            <a:endParaRPr lang="en-US" altLang="zh-CN" b="1" dirty="0" smtClean="0"/>
-          </a:p>
-          <a:p>
-            <a:pPr lvl="1" algn="just" eaLnBrk="1" hangingPunct="1">
-              <a:defRPr/>
-            </a:pPr>
-            <a:r>
-              <a:rPr lang="zh-CN" altLang="en-US" b="1" dirty="0" smtClean="0"/>
-              <a:t>成本高，白盒测试准备时间较长</a:t>
-            </a:r>
-            <a:endParaRPr lang="en-US" altLang="zh-CN" b="1" dirty="0" smtClean="0"/>
-          </a:p>
         </p:txBody>
       </p:sp>
       <p:sp>
@@ -6903,7 +7514,7 @@
       </p:grpSpPr>
       <p:sp>
         <p:nvSpPr>
-          <p:cNvPr id="9219" name="Rectangle 2"/>
+          <p:cNvPr id="8195" name="Rectangle 2"/>
           <p:cNvSpPr>
             <a:spLocks noGrp="1" noChangeArrowheads="1"/>
           </p:cNvSpPr>
@@ -6944,72 +7555,91 @@
             <p:ph idx="1"/>
           </p:nvPr>
         </p:nvSpPr>
-        <p:spPr>
-          <a:xfrm>
-            <a:off x="566738" y="1752600"/>
-            <a:ext cx="8397750" cy="4267200"/>
-          </a:xfrm>
-        </p:spPr>
+        <p:spPr/>
         <p:txBody>
           <a:bodyPr/>
           <a:lstStyle/>
           <a:p>
-            <a:endParaRPr lang="zh-CN" altLang="en-US" dirty="0"/>
-          </a:p>
-          <a:p>
-            <a:r>
-              <a:rPr lang="zh-CN" altLang="en-US" dirty="0"/>
-              <a:t>白盒测试的经济学</a:t>
-            </a:r>
-            <a:r>
-              <a:rPr lang="zh-CN" altLang="en-US" dirty="0" smtClean="0"/>
-              <a:t>问题</a:t>
-            </a:r>
-            <a:endParaRPr lang="en-US" altLang="zh-CN" dirty="0" smtClean="0"/>
-          </a:p>
-          <a:p>
-            <a:pPr lvl="1" algn="just"/>
-            <a:r>
-              <a:rPr lang="zh-CN" altLang="en-US" dirty="0" smtClean="0"/>
-              <a:t>通过</a:t>
-            </a:r>
-            <a:r>
-              <a:rPr lang="zh-CN" altLang="en-US" dirty="0"/>
-              <a:t>测试无法证明，被测软件系统是没有缺陷的。</a:t>
-            </a:r>
-          </a:p>
-          <a:p>
-            <a:pPr lvl="1" algn="just"/>
-            <a:r>
-              <a:rPr lang="zh-CN" altLang="en-US" dirty="0"/>
-              <a:t>软件测试的经济学问题</a:t>
-            </a:r>
-          </a:p>
-          <a:p>
-            <a:pPr lvl="1" algn="just"/>
-            <a:r>
-              <a:rPr lang="zh-CN" altLang="en-US" dirty="0"/>
-              <a:t>应对策略二：白盒测试</a:t>
-            </a:r>
-          </a:p>
-          <a:p>
-            <a:pPr lvl="1" algn="just"/>
-            <a:r>
-              <a:rPr lang="zh-CN" altLang="en-US" dirty="0"/>
-              <a:t>穷尽路径测试可行吗？ </a:t>
-            </a:r>
-          </a:p>
-          <a:p>
-            <a:pPr marL="0" indent="0">
-              <a:buNone/>
+            <a:pPr algn="just" eaLnBrk="1" hangingPunct="1">
+              <a:defRPr/>
             </a:pPr>
-            <a:endParaRPr lang="zh-CN" altLang="en-US" b="1" dirty="0" smtClean="0"/>
-          </a:p>
-        </p:txBody>
-      </p:sp>
-      <p:sp>
-        <p:nvSpPr>
-          <p:cNvPr id="9218" name="灯片编号占位符 5"/>
+            <a:r>
+              <a:rPr lang="zh-CN" altLang="en-US" sz="3400" b="1" dirty="0" smtClean="0"/>
+              <a:t>局限性</a:t>
+            </a:r>
+            <a:endParaRPr lang="en-US" altLang="zh-CN" sz="3400" b="1" dirty="0" smtClean="0"/>
+          </a:p>
+          <a:p>
+            <a:pPr lvl="1" algn="just">
+              <a:defRPr/>
+            </a:pPr>
+            <a:r>
+              <a:rPr lang="zh-CN" altLang="en-US" b="1" dirty="0" smtClean="0"/>
+              <a:t>对测试人员的技术要求高</a:t>
+            </a:r>
+            <a:r>
+              <a:rPr lang="zh-CN" altLang="en-US" b="1" dirty="0"/>
+              <a:t>，具有广博的</a:t>
+            </a:r>
+            <a:r>
+              <a:rPr lang="zh-CN" altLang="en-US" b="1" dirty="0" smtClean="0"/>
+              <a:t>知识面，没有</a:t>
+            </a:r>
+            <a:r>
+              <a:rPr lang="zh-CN" altLang="en-US" b="1" dirty="0" smtClean="0"/>
+              <a:t>一定</a:t>
+            </a:r>
+            <a:r>
+              <a:rPr lang="zh-CN" altLang="en-US" b="1" dirty="0" smtClean="0">
+                <a:solidFill>
+                  <a:srgbClr val="FF0000"/>
+                </a:solidFill>
+              </a:rPr>
+              <a:t>项目编程</a:t>
+            </a:r>
+            <a:r>
+              <a:rPr lang="zh-CN" altLang="en-US" b="1" dirty="0" smtClean="0">
+                <a:solidFill>
+                  <a:srgbClr val="FF0000"/>
+                </a:solidFill>
+              </a:rPr>
+              <a:t>经验</a:t>
+            </a:r>
+            <a:r>
+              <a:rPr lang="zh-CN" altLang="en-US" b="1" dirty="0" smtClean="0"/>
+              <a:t>的人是无法做白盒测试的</a:t>
+            </a:r>
+            <a:r>
+              <a:rPr lang="zh-CN" altLang="en-US" b="1" dirty="0" smtClean="0"/>
+              <a:t>；</a:t>
+            </a:r>
+            <a:endParaRPr lang="en-US" altLang="zh-CN" b="1" dirty="0" smtClean="0"/>
+          </a:p>
+          <a:p>
+            <a:pPr lvl="1" algn="just" eaLnBrk="1" hangingPunct="1">
+              <a:defRPr/>
+            </a:pPr>
+            <a:r>
+              <a:rPr lang="zh-CN" altLang="en-US" b="1" dirty="0" smtClean="0"/>
+              <a:t>成本高</a:t>
+            </a:r>
+            <a:endParaRPr lang="en-US" altLang="zh-CN" b="1" dirty="0" smtClean="0"/>
+          </a:p>
+          <a:p>
+            <a:pPr lvl="1" algn="just" eaLnBrk="1" hangingPunct="1">
+              <a:defRPr/>
+            </a:pPr>
+            <a:r>
+              <a:rPr lang="zh-CN" altLang="en-US" b="1" dirty="0" smtClean="0"/>
+              <a:t>白盒测试准备时间较长</a:t>
+            </a:r>
+            <a:endParaRPr lang="en-US" altLang="zh-CN" b="1" dirty="0" smtClean="0"/>
+          </a:p>
+        </p:txBody>
+      </p:sp>
+      <p:sp>
+        <p:nvSpPr>
+          <p:cNvPr id="8194" name="灯片编号占位符 5"/>
           <p:cNvSpPr>
             <a:spLocks noGrp="1"/>
           </p:cNvSpPr>
@@ -7151,7 +7781,7 @@
           </a:lstStyle>
           <a:p>
             <a:pPr eaLnBrk="1" hangingPunct="1"/>
-            <a:fld id="{AFFF1B95-3759-496B-9B0B-F4E0C843DE1C}" type="slidenum">
+            <a:fld id="{DF63C25B-2B21-40D6-B18C-82E34AAF7B4E}" type="slidenum">
               <a:rPr lang="en-US" altLang="zh-CN" smtClean="0"/>
               <a:pPr eaLnBrk="1" hangingPunct="1"/>
               <a:t>7</a:t>
@@ -7160,74 +7790,10 @@
           </a:p>
         </p:txBody>
       </p:sp>
-      <p:pic>
-        <p:nvPicPr>
-          <p:cNvPr id="1026" name="Picture 2"/>
-          <p:cNvPicPr>
-            <a:picLocks noChangeAspect="1" noChangeArrowheads="1"/>
-          </p:cNvPicPr>
-          <p:nvPr/>
-        </p:nvPicPr>
-        <p:blipFill>
-          <a:blip r:embed="rId3">
-            <a:extLst>
-              <a:ext uri="{28A0092B-C50C-407E-A947-70E740481C1C}">
-                <a14:useLocalDpi xmlns:a14="http://schemas.microsoft.com/office/drawing/2010/main" val="0"/>
-              </a:ext>
-            </a:extLst>
-          </a:blip>
-          <a:srcRect/>
-          <a:stretch>
-            <a:fillRect/>
-          </a:stretch>
-        </p:blipFill>
-        <p:spPr bwMode="auto">
-          <a:xfrm>
-            <a:off x="1713277" y="1844824"/>
-            <a:ext cx="6081302" cy="3670895"/>
-          </a:xfrm>
-          <a:prstGeom prst="rect">
-            <a:avLst/>
-          </a:prstGeom>
-          <a:noFill/>
-          <a:ln>
-            <a:noFill/>
-          </a:ln>
-          <a:effectLst/>
-          <a:extLst>
-            <a:ext uri="{909E8E84-426E-40DD-AFC4-6F175D3DCCD1}">
-              <a14:hiddenFill xmlns:a14="http://schemas.microsoft.com/office/drawing/2010/main">
-                <a:solidFill>
-                  <a:schemeClr val="accent1"/>
-                </a:solidFill>
-              </a14:hiddenFill>
-            </a:ext>
-            <a:ext uri="{91240B29-F687-4F45-9708-019B960494DF}">
-              <a14:hiddenLine xmlns:a14="http://schemas.microsoft.com/office/drawing/2010/main" w="9525">
-                <a:solidFill>
-                  <a:schemeClr val="tx1"/>
-                </a:solidFill>
-                <a:miter lim="800000"/>
-                <a:headEnd/>
-                <a:tailEnd/>
-              </a14:hiddenLine>
-            </a:ext>
-            <a:ext uri="{AF507438-7753-43E0-B8FC-AC1667EBCBE1}">
-              <a14:hiddenEffects xmlns:a14="http://schemas.microsoft.com/office/drawing/2010/main">
-                <a:effectLst>
-                  <a:outerShdw dist="35921" dir="2700000" algn="ctr" rotWithShape="0">
-                    <a:schemeClr val="bg2"/>
-                  </a:outerShdw>
-                </a:effectLst>
-              </a14:hiddenEffects>
-            </a:ext>
-          </a:extLst>
-        </p:spPr>
-      </p:pic>
     </p:spTree>
     <p:extLst>
       <p:ext uri="{BB962C8B-B14F-4D97-AF65-F5344CB8AC3E}">
-        <p14:creationId xmlns:p14="http://schemas.microsoft.com/office/powerpoint/2010/main" val="78636721"/>
+        <p14:creationId xmlns:p14="http://schemas.microsoft.com/office/powerpoint/2010/main" val="2704019433"/>
       </p:ext>
     </p:extLst>
   </p:cSld>
@@ -7337,7 +7903,19 @@
             <a:pPr lvl="1" algn="just" eaLnBrk="1" hangingPunct="1"/>
             <a:r>
               <a:rPr lang="zh-CN" altLang="en-US" b="1" dirty="0" smtClean="0"/>
-              <a:t>主要关注的是函数源代码的逻辑是否符合该函数的功能要求，查看源代码中是否存在典型的编程缺陷，或从设计优化的角度观察源代码结构是否合理、是否过于复杂等</a:t>
+              <a:t>主要关注的是</a:t>
+            </a:r>
+            <a:r>
+              <a:rPr lang="zh-CN" altLang="en-US" b="1" dirty="0" smtClean="0">
+                <a:solidFill>
+                  <a:srgbClr val="FF0000"/>
+                </a:solidFill>
+              </a:rPr>
+              <a:t>函数源代码的逻辑</a:t>
+            </a:r>
+            <a:r>
+              <a:rPr lang="zh-CN" altLang="en-US" b="1" dirty="0" smtClean="0"/>
+              <a:t>是否符合该函数的功能要求，查看源代码中是否存在典型的编程缺陷，或从设计优化的角度观察源代码结构是否合理、是否过于复杂等</a:t>
             </a:r>
             <a:endParaRPr lang="en-US" altLang="zh-CN" b="1" dirty="0" smtClean="0"/>
           </a:p>
@@ -7591,31 +8169,43 @@
           <a:p>
             <a:pPr algn="just" eaLnBrk="1" hangingPunct="1"/>
             <a:r>
-              <a:rPr lang="zh-CN" altLang="en-US" sz="3400" b="1" smtClean="0"/>
+              <a:rPr lang="zh-CN" altLang="en-US" sz="3400" b="1" dirty="0" smtClean="0"/>
               <a:t>适用阶段</a:t>
             </a:r>
-            <a:endParaRPr lang="en-US" altLang="zh-CN" sz="3400" b="1" smtClean="0"/>
+            <a:endParaRPr lang="en-US" altLang="zh-CN" sz="3400" b="1" dirty="0" smtClean="0"/>
           </a:p>
           <a:p>
             <a:pPr algn="just" eaLnBrk="1" hangingPunct="1"/>
             <a:r>
-              <a:rPr lang="zh-CN" altLang="en-US" sz="3400" b="1" smtClean="0"/>
+              <a:rPr lang="zh-CN" altLang="en-US" sz="3400" b="1" dirty="0" smtClean="0"/>
               <a:t>当被测对象为功能时</a:t>
             </a:r>
-            <a:endParaRPr lang="en-US" altLang="zh-CN" sz="3400" b="1" smtClean="0"/>
+            <a:endParaRPr lang="en-US" altLang="zh-CN" sz="3400" b="1" dirty="0" smtClean="0"/>
           </a:p>
           <a:p>
             <a:pPr lvl="1" algn="just" eaLnBrk="1" hangingPunct="1"/>
             <a:r>
-              <a:rPr lang="zh-CN" altLang="en-US" b="1" smtClean="0"/>
-              <a:t>白盒测试不再对源代码进行检查，此时更多的是借鉴白盒测试方法的思想，完成对业务流程的覆盖测试</a:t>
-            </a:r>
-            <a:endParaRPr lang="en-US" altLang="zh-CN" b="1" smtClean="0"/>
+              <a:rPr lang="zh-CN" altLang="en-US" b="1" dirty="0" smtClean="0"/>
+              <a:t>白盒测试不再对源代码进行检查，此时更多的是</a:t>
+            </a:r>
+            <a:r>
+              <a:rPr lang="zh-CN" altLang="en-US" b="1" dirty="0" smtClean="0">
+                <a:solidFill>
+                  <a:srgbClr val="FF0000"/>
+                </a:solidFill>
+              </a:rPr>
+              <a:t>借鉴白盒测试方法</a:t>
+            </a:r>
+            <a:r>
+              <a:rPr lang="zh-CN" altLang="en-US" b="1" dirty="0" smtClean="0"/>
+              <a:t>的思想，完成对业务流程的覆盖测试</a:t>
+            </a:r>
+            <a:endParaRPr lang="en-US" altLang="zh-CN" b="1" dirty="0" smtClean="0"/>
           </a:p>
           <a:p>
             <a:pPr lvl="1" algn="just" eaLnBrk="1" hangingPunct="1"/>
             <a:r>
-              <a:rPr lang="zh-CN" altLang="en-US" b="1" smtClean="0"/>
+              <a:rPr lang="zh-CN" altLang="en-US" b="1" dirty="0" smtClean="0"/>
               <a:t>对应的是集成测试甚至系统测试阶段，主要由测试人员来完成测试工作</a:t>
             </a:r>
           </a:p>
@@ -8398,7 +8988,7 @@
         <a:sysClr val="windowText" lastClr="000000"/>
       </a:dk1>
       <a:lt1>
-        <a:sysClr val="window" lastClr="CCE8CF"/>
+        <a:sysClr val="window" lastClr="FFFFFF"/>
       </a:lt1>
       <a:dk2>
         <a:srgbClr val="1F497D"/>
